--- a/Assignment 1 - Q2 Dana Estetieh.pptx
+++ b/Assignment 1 - Q2 Dana Estetieh.pptx
@@ -6,9 +6,11 @@
   </p:sldMasterIdLst>
   <p:sldIdLst>
     <p:sldId id="256" r:id="rId2"/>
-    <p:sldId id="262" r:id="rId3"/>
-    <p:sldId id="263" r:id="rId4"/>
-    <p:sldId id="264" r:id="rId5"/>
+    <p:sldId id="264" r:id="rId3"/>
+    <p:sldId id="265" r:id="rId4"/>
+    <p:sldId id="266" r:id="rId5"/>
+    <p:sldId id="267" r:id="rId6"/>
+    <p:sldId id="263" r:id="rId7"/>
   </p:sldIdLst>
   <p:sldSz cx="12192000" cy="6858000"/>
   <p:notesSz cx="6858000" cy="9144000"/>
@@ -3818,7 +3820,7 @@
         <p:spPr>
           <a:xfrm>
             <a:off x="328772" y="380144"/>
-            <a:ext cx="9832369" cy="5632311"/>
+            <a:ext cx="9832369" cy="6186309"/>
           </a:xfrm>
           <a:prstGeom prst="rect">
             <a:avLst/>
@@ -3931,7 +3933,19 @@
           <a:p>
             <a:r>
               <a:rPr lang="en-US" b="1" dirty="0"/>
-              <a:t>3- to run the container use docker-compose up command.</a:t>
+              <a:t>3- to run the container use these commands:</a:t>
+            </a:r>
+          </a:p>
+          <a:p>
+            <a:r>
+              <a:rPr lang="en-US" b="1" dirty="0"/>
+              <a:t>- git clone https://github.com/Danaestetieh/DE_Assigment1.git or download the folder</a:t>
+            </a:r>
+          </a:p>
+          <a:p>
+            <a:r>
+              <a:rPr lang="en-US" b="1" dirty="0"/>
+              <a:t>- docker-compose up command.</a:t>
             </a:r>
           </a:p>
           <a:p>
@@ -4018,10 +4032,10 @@
       </p:grpSpPr>
       <p:sp>
         <p:nvSpPr>
-          <p:cNvPr id="4" name="TextBox 3">
+          <p:cNvPr id="3" name="TextBox 2">
             <a:extLst>
               <a:ext uri="{FF2B5EF4-FFF2-40B4-BE49-F238E27FC236}">
-                <a16:creationId xmlns:a16="http://schemas.microsoft.com/office/drawing/2014/main" id="{F35E4F4C-FDE7-4F47-95EB-D3730626D84C}"/>
+                <a16:creationId xmlns:a16="http://schemas.microsoft.com/office/drawing/2014/main" id="{6D2F85E1-74F2-4E97-AD2F-4DD1B031563E}"/>
               </a:ext>
             </a:extLst>
           </p:cNvPr>
@@ -4030,8 +4044,8 @@
         </p:nvSpPr>
         <p:spPr>
           <a:xfrm>
-            <a:off x="385011" y="240632"/>
-            <a:ext cx="6112042" cy="369332"/>
+            <a:off x="584734" y="163384"/>
+            <a:ext cx="11607265" cy="5909310"/>
           </a:xfrm>
           <a:prstGeom prst="rect">
             <a:avLst/>
@@ -4039,60 +4053,178 @@
           <a:noFill/>
         </p:spPr>
         <p:txBody>
-          <a:bodyPr wrap="square" rtlCol="0">
+          <a:bodyPr wrap="square">
             <a:spAutoFit/>
           </a:bodyPr>
           <a:lstStyle/>
           <a:p>
             <a:r>
+              <a:rPr lang="en-US" b="1" u="sng" dirty="0"/>
+              <a:t>Q2: build a pipeline that extract CSV file from </a:t>
+            </a:r>
+            <a:r>
+              <a:rPr lang="en-US" b="1" u="sng" dirty="0" err="1"/>
+              <a:t>postgressq</a:t>
+            </a:r>
+            <a:r>
+              <a:rPr lang="en-US" b="1" u="sng" dirty="0"/>
+              <a:t> and convert it to JSON then load it in MongoDB</a:t>
+            </a:r>
+          </a:p>
+          <a:p>
+            <a:endParaRPr lang="en-US" b="1" dirty="0"/>
+          </a:p>
+          <a:p>
+            <a:endParaRPr lang="en-US" b="1" dirty="0"/>
+          </a:p>
+          <a:p>
+            <a:r>
+              <a:rPr lang="en-US" b="1" dirty="0"/>
+              <a:t>1- Use docker compose to run the following images: </a:t>
+            </a:r>
+          </a:p>
+          <a:p>
+            <a:pPr marL="285750" indent="-285750">
+              <a:buFontTx/>
+              <a:buChar char="-"/>
+            </a:pPr>
+            <a:r>
+              <a:rPr lang="en-US" dirty="0" err="1"/>
+              <a:t>mongodb</a:t>
+            </a:r>
+            <a:r>
               <a:rPr lang="en-US" dirty="0"/>
-              <a:t>I have created CSV file called data. csv , Json file and </a:t>
-            </a:r>
+              <a:t>: to load the data</a:t>
+            </a:r>
+          </a:p>
+          <a:p>
+            <a:pPr marL="285750" indent="-285750">
+              <a:buFontTx/>
+              <a:buChar char="-"/>
+            </a:pPr>
+            <a:r>
+              <a:rPr lang="en-US" dirty="0"/>
+              <a:t>Apache Airflow: to build the pipeline</a:t>
+            </a:r>
+          </a:p>
+          <a:p>
+            <a:pPr marL="285750" indent="-285750">
+              <a:buFontTx/>
+              <a:buChar char="-"/>
+            </a:pPr>
             <a:r>
               <a:rPr lang="en-US" dirty="0" err="1"/>
-              <a:t>dags</a:t>
+              <a:t>Postgresql</a:t>
             </a:r>
             <a:r>
               <a:rPr lang="en-US" dirty="0"/>
-              <a:t> tasks  </a:t>
-            </a:r>
-          </a:p>
-        </p:txBody>
-      </p:sp>
-      <p:pic>
-        <p:nvPicPr>
-          <p:cNvPr id="6" name="Picture 5">
-            <a:extLst>
-              <a:ext uri="{FF2B5EF4-FFF2-40B4-BE49-F238E27FC236}">
-                <a16:creationId xmlns:a16="http://schemas.microsoft.com/office/drawing/2014/main" id="{AA60A107-45CD-432E-81C9-815198BA84D3}"/>
-              </a:ext>
-            </a:extLst>
-          </p:cNvPr>
-          <p:cNvPicPr>
-            <a:picLocks noChangeAspect="1"/>
-          </p:cNvPicPr>
-          <p:nvPr/>
-        </p:nvPicPr>
-        <p:blipFill>
-          <a:blip r:embed="rId2"/>
-          <a:stretch>
-            <a:fillRect/>
-          </a:stretch>
-        </p:blipFill>
-        <p:spPr>
-          <a:xfrm>
-            <a:off x="175762" y="949893"/>
-            <a:ext cx="3524250" cy="4457700"/>
-          </a:xfrm>
-          <a:prstGeom prst="rect">
-            <a:avLst/>
-          </a:prstGeom>
-        </p:spPr>
-      </p:pic>
+              <a:t>: to extract CSV file</a:t>
+            </a:r>
+          </a:p>
+          <a:p>
+            <a:pPr marL="285750" indent="-285750">
+              <a:buFontTx/>
+              <a:buChar char="-"/>
+            </a:pPr>
+            <a:r>
+              <a:rPr lang="en-US" dirty="0" err="1"/>
+              <a:t>Jupyter</a:t>
+            </a:r>
+            <a:r>
+              <a:rPr lang="en-US" dirty="0"/>
+              <a:t>/notebook: contains all codes</a:t>
+            </a:r>
+          </a:p>
+          <a:p>
+            <a:pPr marL="285750" indent="-285750">
+              <a:buFontTx/>
+              <a:buChar char="-"/>
+            </a:pPr>
+            <a:endParaRPr lang="en-US" dirty="0"/>
+          </a:p>
+          <a:p>
+            <a:r>
+              <a:rPr lang="en-US" b="1" dirty="0"/>
+              <a:t>2- Save CSV file called data2 in the container and I renamed it to “data” which contains random data (faker library was used)</a:t>
+            </a:r>
+          </a:p>
+          <a:p>
+            <a:endParaRPr lang="en-US" b="1" dirty="0"/>
+          </a:p>
+          <a:p>
+            <a:r>
+              <a:rPr lang="en-US" b="1" dirty="0"/>
+              <a:t>3- to run the container use these commands:</a:t>
+            </a:r>
+          </a:p>
+          <a:p>
+            <a:r>
+              <a:rPr lang="en-US" b="1" dirty="0"/>
+              <a:t>- git clone https://github.com/Danaestetieh/DE_Assigment1.git or download the folder</a:t>
+            </a:r>
+          </a:p>
+          <a:p>
+            <a:r>
+              <a:rPr lang="en-US" b="1" dirty="0"/>
+              <a:t>- docker-compose up command.</a:t>
+            </a:r>
+          </a:p>
+          <a:p>
+            <a:endParaRPr lang="en-US" b="1" dirty="0"/>
+          </a:p>
+          <a:p>
+            <a:r>
+              <a:rPr lang="en-US" b="1" dirty="0"/>
+              <a:t>4- Use </a:t>
+            </a:r>
+            <a:r>
+              <a:rPr lang="en-US" b="1" dirty="0">
+                <a:hlinkClick r:id="rId2"/>
+              </a:rPr>
+              <a:t>http://localhost:8080</a:t>
+            </a:r>
+            <a:r>
+              <a:rPr lang="en-US" b="1" dirty="0"/>
+              <a:t> to run </a:t>
+            </a:r>
+            <a:r>
+              <a:rPr lang="en-US" b="1" dirty="0" err="1"/>
+              <a:t>Apche</a:t>
+            </a:r>
+            <a:r>
+              <a:rPr lang="en-US" b="1" dirty="0"/>
+              <a:t> Airflow</a:t>
+            </a:r>
+          </a:p>
+          <a:p>
+            <a:endParaRPr lang="en-US" b="1" dirty="0"/>
+          </a:p>
+          <a:p>
+            <a:r>
+              <a:rPr lang="en-US" b="1" dirty="0"/>
+              <a:t>5- Use http://localhost:8888 to run </a:t>
+            </a:r>
+            <a:r>
+              <a:rPr lang="en-US" b="1" dirty="0" err="1"/>
+              <a:t>Jupyter</a:t>
+            </a:r>
+            <a:r>
+              <a:rPr lang="en-US" b="1" dirty="0"/>
+              <a:t> notebook</a:t>
+            </a:r>
+          </a:p>
+          <a:p>
+            <a:endParaRPr lang="en-US" dirty="0"/>
+          </a:p>
+          <a:p>
+            <a:endParaRPr lang="en-US" b="1" dirty="0"/>
+          </a:p>
+        </p:txBody>
+      </p:sp>
     </p:spTree>
     <p:extLst>
       <p:ext uri="{BB962C8B-B14F-4D97-AF65-F5344CB8AC3E}">
-        <p14:creationId xmlns:p14="http://schemas.microsoft.com/office/powerpoint/2010/main" val="3432943107"/>
+        <p14:creationId xmlns:p14="http://schemas.microsoft.com/office/powerpoint/2010/main" val="3189841868"/>
       </p:ext>
     </p:extLst>
   </p:cSld>
@@ -4124,7 +4256,7 @@
           <p:cNvPr id="2" name="TextBox 1">
             <a:extLst>
               <a:ext uri="{FF2B5EF4-FFF2-40B4-BE49-F238E27FC236}">
-                <a16:creationId xmlns:a16="http://schemas.microsoft.com/office/drawing/2014/main" id="{18B73438-9039-4747-9CC3-0EC932615BF1}"/>
+                <a16:creationId xmlns:a16="http://schemas.microsoft.com/office/drawing/2014/main" id="{C82B041E-B718-467E-A1E6-8D6AE4D2BC24}"/>
               </a:ext>
             </a:extLst>
           </p:cNvPr>
@@ -4133,8 +4265,8 @@
         </p:nvSpPr>
         <p:spPr>
           <a:xfrm>
-            <a:off x="423512" y="471638"/>
-            <a:ext cx="7911966" cy="923330"/>
+            <a:off x="221381" y="308009"/>
+            <a:ext cx="7911966" cy="1754326"/>
           </a:xfrm>
           <a:prstGeom prst="rect">
             <a:avLst/>
@@ -4148,18 +4280,46 @@
           <a:lstStyle/>
           <a:p>
             <a:r>
+              <a:rPr lang="en-US" b="1" u="sng" dirty="0"/>
+              <a:t>Airflow:</a:t>
+            </a:r>
+          </a:p>
+          <a:p>
+            <a:endParaRPr lang="en-US" b="1" u="sng" dirty="0"/>
+          </a:p>
+          <a:p>
+            <a:pPr marL="285750" indent="-285750">
+              <a:buFontTx/>
+              <a:buChar char="-"/>
+            </a:pPr>
+            <a:r>
               <a:rPr lang="en-US" dirty="0"/>
-              <a:t>Airflow:</a:t>
-            </a:r>
-          </a:p>
-          <a:p>
+              <a:t>To run Airflow use this port: localhost:8080</a:t>
+            </a:r>
+          </a:p>
+          <a:p>
+            <a:pPr marL="285750" indent="-285750">
+              <a:buFontTx/>
+              <a:buChar char="-"/>
+            </a:pPr>
+            <a:r>
+              <a:rPr lang="en-US" dirty="0"/>
+              <a:t>The page has DAGs will be appeared</a:t>
+            </a:r>
+          </a:p>
+          <a:p>
+            <a:pPr marL="285750" indent="-285750">
+              <a:buFontTx/>
+              <a:buChar char="-"/>
+            </a:pPr>
             <a:endParaRPr lang="en-US" dirty="0"/>
           </a:p>
           <a:p>
-            <a:r>
-              <a:rPr lang="en-US" dirty="0"/>
-              <a:t>- We have 3 tasks, extract CSV then convert it to JSON then load it to MongoDB </a:t>
-            </a:r>
+            <a:pPr marL="285750" indent="-285750">
+              <a:buFontTx/>
+              <a:buChar char="-"/>
+            </a:pPr>
+            <a:endParaRPr lang="en-US" dirty="0"/>
           </a:p>
         </p:txBody>
       </p:sp>
@@ -4168,7 +4328,7 @@
           <p:cNvPr id="4" name="Picture 3">
             <a:extLst>
               <a:ext uri="{FF2B5EF4-FFF2-40B4-BE49-F238E27FC236}">
-                <a16:creationId xmlns:a16="http://schemas.microsoft.com/office/drawing/2014/main" id="{DC324C06-2650-4FCA-869C-A1444C4BC51B}"/>
+                <a16:creationId xmlns:a16="http://schemas.microsoft.com/office/drawing/2014/main" id="{B679C3C9-73CE-4C65-A5C8-5D10E846B27F}"/>
               </a:ext>
             </a:extLst>
           </p:cNvPr>
@@ -4185,8 +4345,8 @@
         </p:blipFill>
         <p:spPr>
           <a:xfrm>
-            <a:off x="0" y="2081054"/>
-            <a:ext cx="12192000" cy="2695892"/>
+            <a:off x="482600" y="1477093"/>
+            <a:ext cx="8344429" cy="3318573"/>
           </a:xfrm>
           <a:prstGeom prst="rect">
             <a:avLst/>
@@ -4196,7 +4356,7 @@
     </p:spTree>
     <p:extLst>
       <p:ext uri="{BB962C8B-B14F-4D97-AF65-F5344CB8AC3E}">
-        <p14:creationId xmlns:p14="http://schemas.microsoft.com/office/powerpoint/2010/main" val="2945410440"/>
+        <p14:creationId xmlns:p14="http://schemas.microsoft.com/office/powerpoint/2010/main" val="1547356107"/>
       </p:ext>
     </p:extLst>
   </p:cSld>
@@ -4223,10 +4383,379 @@
           <a:chExt cx="0" cy="0"/>
         </a:xfrm>
       </p:grpSpPr>
+      <p:sp>
+        <p:nvSpPr>
+          <p:cNvPr id="2" name="TextBox 1">
+            <a:extLst>
+              <a:ext uri="{FF2B5EF4-FFF2-40B4-BE49-F238E27FC236}">
+                <a16:creationId xmlns:a16="http://schemas.microsoft.com/office/drawing/2014/main" id="{F60A46C0-AC9C-4FE1-8C26-168B5D563A5D}"/>
+              </a:ext>
+            </a:extLst>
+          </p:cNvPr>
+          <p:cNvSpPr txBox="1"/>
+          <p:nvPr/>
+        </p:nvSpPr>
+        <p:spPr>
+          <a:xfrm>
+            <a:off x="221381" y="308009"/>
+            <a:ext cx="7911966" cy="5078313"/>
+          </a:xfrm>
+          <a:prstGeom prst="rect">
+            <a:avLst/>
+          </a:prstGeom>
+          <a:noFill/>
+        </p:spPr>
+        <p:txBody>
+          <a:bodyPr wrap="square" rtlCol="0">
+            <a:spAutoFit/>
+          </a:bodyPr>
+          <a:lstStyle/>
+          <a:p>
+            <a:r>
+              <a:rPr lang="en-US" b="1" u="sng" dirty="0"/>
+              <a:t>Airflow:</a:t>
+            </a:r>
+          </a:p>
+          <a:p>
+            <a:endParaRPr lang="en-US" b="1" u="sng" dirty="0"/>
+          </a:p>
+          <a:p>
+            <a:pPr marL="285750" indent="-285750">
+              <a:buFontTx/>
+              <a:buChar char="-"/>
+            </a:pPr>
+            <a:r>
+              <a:rPr lang="en-US" dirty="0"/>
+              <a:t>Click on the DAG name “</a:t>
+            </a:r>
+            <a:r>
+              <a:rPr lang="en-US" dirty="0" err="1"/>
+              <a:t>DanaEstetieh</a:t>
+            </a:r>
+            <a:r>
+              <a:rPr lang="en-US" dirty="0"/>
+              <a:t>”</a:t>
+            </a:r>
+          </a:p>
+          <a:p>
+            <a:pPr marL="285750" indent="-285750">
+              <a:buFontTx/>
+              <a:buChar char="-"/>
+            </a:pPr>
+            <a:endParaRPr lang="en-US" dirty="0"/>
+          </a:p>
+          <a:p>
+            <a:pPr marL="285750" indent="-285750">
+              <a:buFontTx/>
+              <a:buChar char="-"/>
+            </a:pPr>
+            <a:r>
+              <a:rPr lang="en-US" dirty="0"/>
+              <a:t>Click on </a:t>
+            </a:r>
+            <a:r>
+              <a:rPr lang="en-US" dirty="0" err="1"/>
+              <a:t>unpause</a:t>
+            </a:r>
+            <a:r>
+              <a:rPr lang="en-US" dirty="0"/>
+              <a:t> button</a:t>
+            </a:r>
+          </a:p>
+          <a:p>
+            <a:pPr marL="285750" indent="-285750">
+              <a:buFontTx/>
+              <a:buChar char="-"/>
+            </a:pPr>
+            <a:endParaRPr lang="en-US" dirty="0"/>
+          </a:p>
+          <a:p>
+            <a:pPr marL="285750" indent="-285750">
+              <a:buFontTx/>
+              <a:buChar char="-"/>
+            </a:pPr>
+            <a:endParaRPr lang="en-US" dirty="0"/>
+          </a:p>
+          <a:p>
+            <a:pPr marL="285750" indent="-285750">
+              <a:buFontTx/>
+              <a:buChar char="-"/>
+            </a:pPr>
+            <a:endParaRPr lang="en-US" dirty="0"/>
+          </a:p>
+          <a:p>
+            <a:pPr marL="285750" indent="-285750">
+              <a:buFontTx/>
+              <a:buChar char="-"/>
+            </a:pPr>
+            <a:r>
+              <a:rPr lang="en-US" dirty="0"/>
+              <a:t>Run the flow</a:t>
+            </a:r>
+          </a:p>
+          <a:p>
+            <a:pPr marL="285750" indent="-285750">
+              <a:buFontTx/>
+              <a:buChar char="-"/>
+            </a:pPr>
+            <a:endParaRPr lang="en-US" dirty="0"/>
+          </a:p>
+          <a:p>
+            <a:pPr marL="285750" indent="-285750">
+              <a:buFontTx/>
+              <a:buChar char="-"/>
+            </a:pPr>
+            <a:endParaRPr lang="en-US" dirty="0"/>
+          </a:p>
+          <a:p>
+            <a:pPr marL="285750" indent="-285750">
+              <a:buFontTx/>
+              <a:buChar char="-"/>
+            </a:pPr>
+            <a:endParaRPr lang="en-US" dirty="0"/>
+          </a:p>
+          <a:p>
+            <a:pPr marL="285750" indent="-285750">
+              <a:buFontTx/>
+              <a:buChar char="-"/>
+            </a:pPr>
+            <a:endParaRPr lang="en-US" dirty="0"/>
+          </a:p>
+          <a:p>
+            <a:pPr marL="285750" indent="-285750">
+              <a:buFontTx/>
+              <a:buChar char="-"/>
+            </a:pPr>
+            <a:endParaRPr lang="en-US" dirty="0"/>
+          </a:p>
+          <a:p>
+            <a:pPr marL="285750" indent="-285750">
+              <a:buFontTx/>
+              <a:buChar char="-"/>
+            </a:pPr>
+            <a:endParaRPr lang="en-US" dirty="0"/>
+          </a:p>
+          <a:p>
+            <a:pPr marL="285750" indent="-285750">
+              <a:buFontTx/>
+              <a:buChar char="-"/>
+            </a:pPr>
+            <a:endParaRPr lang="en-US" dirty="0"/>
+          </a:p>
+          <a:p>
+            <a:pPr marL="285750" indent="-285750">
+              <a:buFontTx/>
+              <a:buChar char="-"/>
+            </a:pPr>
+            <a:endParaRPr lang="en-US" dirty="0"/>
+          </a:p>
+          <a:p>
+            <a:pPr marL="285750" indent="-285750">
+              <a:buFontTx/>
+              <a:buChar char="-"/>
+            </a:pPr>
+            <a:endParaRPr lang="en-US" dirty="0"/>
+          </a:p>
+        </p:txBody>
+      </p:sp>
+      <p:pic>
+        <p:nvPicPr>
+          <p:cNvPr id="4" name="Picture 3">
+            <a:extLst>
+              <a:ext uri="{FF2B5EF4-FFF2-40B4-BE49-F238E27FC236}">
+                <a16:creationId xmlns:a16="http://schemas.microsoft.com/office/drawing/2014/main" id="{91A17EB8-76B2-4662-B974-06CB9B27DE6D}"/>
+              </a:ext>
+            </a:extLst>
+          </p:cNvPr>
+          <p:cNvPicPr>
+            <a:picLocks noChangeAspect="1"/>
+          </p:cNvPicPr>
+          <p:nvPr/>
+        </p:nvPicPr>
+        <p:blipFill>
+          <a:blip r:embed="rId2"/>
+          <a:stretch>
+            <a:fillRect/>
+          </a:stretch>
+        </p:blipFill>
+        <p:spPr>
+          <a:xfrm>
+            <a:off x="597959" y="1898120"/>
+            <a:ext cx="4019550" cy="504825"/>
+          </a:xfrm>
+          <a:prstGeom prst="rect">
+            <a:avLst/>
+          </a:prstGeom>
+        </p:spPr>
+      </p:pic>
+      <p:pic>
+        <p:nvPicPr>
+          <p:cNvPr id="6" name="Picture 5">
+            <a:extLst>
+              <a:ext uri="{FF2B5EF4-FFF2-40B4-BE49-F238E27FC236}">
+                <a16:creationId xmlns:a16="http://schemas.microsoft.com/office/drawing/2014/main" id="{8C6C9862-665E-4611-B981-CBAAC2F7D88E}"/>
+              </a:ext>
+            </a:extLst>
+          </p:cNvPr>
+          <p:cNvPicPr>
+            <a:picLocks noChangeAspect="1"/>
+          </p:cNvPicPr>
+          <p:nvPr/>
+        </p:nvPicPr>
+        <p:blipFill>
+          <a:blip r:embed="rId3"/>
+          <a:stretch>
+            <a:fillRect/>
+          </a:stretch>
+        </p:blipFill>
+        <p:spPr>
+          <a:xfrm>
+            <a:off x="657754" y="2952804"/>
+            <a:ext cx="1647825" cy="771525"/>
+          </a:xfrm>
+          <a:prstGeom prst="rect">
+            <a:avLst/>
+          </a:prstGeom>
+        </p:spPr>
+      </p:pic>
+      <p:pic>
+        <p:nvPicPr>
+          <p:cNvPr id="10" name="Picture 9">
+            <a:extLst>
+              <a:ext uri="{FF2B5EF4-FFF2-40B4-BE49-F238E27FC236}">
+                <a16:creationId xmlns:a16="http://schemas.microsoft.com/office/drawing/2014/main" id="{EB15D712-D79F-4675-BDB1-6836C9ECEEFF}"/>
+              </a:ext>
+            </a:extLst>
+          </p:cNvPr>
+          <p:cNvPicPr>
+            <a:picLocks noChangeAspect="1"/>
+          </p:cNvPicPr>
+          <p:nvPr/>
+        </p:nvPicPr>
+        <p:blipFill>
+          <a:blip r:embed="rId4"/>
+          <a:stretch>
+            <a:fillRect/>
+          </a:stretch>
+        </p:blipFill>
+        <p:spPr>
+          <a:xfrm>
+            <a:off x="221381" y="3724329"/>
+            <a:ext cx="9364133" cy="1523398"/>
+          </a:xfrm>
+          <a:prstGeom prst="rect">
+            <a:avLst/>
+          </a:prstGeom>
+        </p:spPr>
+      </p:pic>
     </p:spTree>
     <p:extLst>
       <p:ext uri="{BB962C8B-B14F-4D97-AF65-F5344CB8AC3E}">
-        <p14:creationId xmlns:p14="http://schemas.microsoft.com/office/powerpoint/2010/main" val="1901453405"/>
+        <p14:creationId xmlns:p14="http://schemas.microsoft.com/office/powerpoint/2010/main" val="65269654"/>
+      </p:ext>
+    </p:extLst>
+  </p:cSld>
+  <p:clrMapOvr>
+    <a:masterClrMapping/>
+  </p:clrMapOvr>
+</p:sld>
+</file>
+
+<file path=ppt/slides/slide5.xml><?xml version="1.0" encoding="utf-8"?>
+<p:sld xmlns:a="http://schemas.openxmlformats.org/drawingml/2006/main" xmlns:r="http://schemas.openxmlformats.org/officeDocument/2006/relationships" xmlns:p="http://schemas.openxmlformats.org/presentationml/2006/main">
+  <p:cSld>
+    <p:spTree>
+      <p:nvGrpSpPr>
+        <p:cNvPr id="1" name=""/>
+        <p:cNvGrpSpPr/>
+        <p:nvPr/>
+      </p:nvGrpSpPr>
+      <p:grpSpPr>
+        <a:xfrm>
+          <a:off x="0" y="0"/>
+          <a:ext cx="0" cy="0"/>
+          <a:chOff x="0" y="0"/>
+          <a:chExt cx="0" cy="0"/>
+        </a:xfrm>
+      </p:grpSpPr>
+    </p:spTree>
+    <p:extLst>
+      <p:ext uri="{BB962C8B-B14F-4D97-AF65-F5344CB8AC3E}">
+        <p14:creationId xmlns:p14="http://schemas.microsoft.com/office/powerpoint/2010/main" val="3117275664"/>
+      </p:ext>
+    </p:extLst>
+  </p:cSld>
+  <p:clrMapOvr>
+    <a:masterClrMapping/>
+  </p:clrMapOvr>
+</p:sld>
+</file>
+
+<file path=ppt/slides/slide6.xml><?xml version="1.0" encoding="utf-8"?>
+<p:sld xmlns:a="http://schemas.openxmlformats.org/drawingml/2006/main" xmlns:r="http://schemas.openxmlformats.org/officeDocument/2006/relationships" xmlns:p="http://schemas.openxmlformats.org/presentationml/2006/main">
+  <p:cSld>
+    <p:spTree>
+      <p:nvGrpSpPr>
+        <p:cNvPr id="1" name=""/>
+        <p:cNvGrpSpPr/>
+        <p:nvPr/>
+      </p:nvGrpSpPr>
+      <p:grpSpPr>
+        <a:xfrm>
+          <a:off x="0" y="0"/>
+          <a:ext cx="0" cy="0"/>
+          <a:chOff x="0" y="0"/>
+          <a:chExt cx="0" cy="0"/>
+        </a:xfrm>
+      </p:grpSpPr>
+      <p:sp>
+        <p:nvSpPr>
+          <p:cNvPr id="2" name="TextBox 1">
+            <a:extLst>
+              <a:ext uri="{FF2B5EF4-FFF2-40B4-BE49-F238E27FC236}">
+                <a16:creationId xmlns:a16="http://schemas.microsoft.com/office/drawing/2014/main" id="{18B73438-9039-4747-9CC3-0EC932615BF1}"/>
+              </a:ext>
+            </a:extLst>
+          </p:cNvPr>
+          <p:cNvSpPr txBox="1"/>
+          <p:nvPr/>
+        </p:nvSpPr>
+        <p:spPr>
+          <a:xfrm>
+            <a:off x="423512" y="471638"/>
+            <a:ext cx="7911966" cy="923330"/>
+          </a:xfrm>
+          <a:prstGeom prst="rect">
+            <a:avLst/>
+          </a:prstGeom>
+          <a:noFill/>
+        </p:spPr>
+        <p:txBody>
+          <a:bodyPr wrap="square" rtlCol="0">
+            <a:spAutoFit/>
+          </a:bodyPr>
+          <a:lstStyle/>
+          <a:p>
+            <a:r>
+              <a:rPr lang="en-US" dirty="0"/>
+              <a:t>Airflow:</a:t>
+            </a:r>
+          </a:p>
+          <a:p>
+            <a:endParaRPr lang="en-US" dirty="0"/>
+          </a:p>
+          <a:p>
+            <a:r>
+              <a:rPr lang="en-US" dirty="0"/>
+              <a:t>- We have 3 tasks, extract CSV then convert it to JSON then load it to MongoDB </a:t>
+            </a:r>
+          </a:p>
+        </p:txBody>
+      </p:sp>
+    </p:spTree>
+    <p:extLst>
+      <p:ext uri="{BB962C8B-B14F-4D97-AF65-F5344CB8AC3E}">
+        <p14:creationId xmlns:p14="http://schemas.microsoft.com/office/powerpoint/2010/main" val="2945410440"/>
       </p:ext>
     </p:extLst>
   </p:cSld>
